--- a/V2_midterm.pptx
+++ b/V2_midterm.pptx
@@ -20846,8 +20846,8 @@
         </p:nvSpPr>
         <p:spPr>
           <a:xfrm>
-            <a:off x="2804160" y="2280444"/>
-            <a:ext cx="6461760" cy="1584960"/>
+            <a:off x="3092569" y="2156040"/>
+            <a:ext cx="5380075" cy="1584960"/>
           </a:xfrm>
           <a:prstGeom prst="rightArrow">
             <a:avLst>
@@ -20889,7 +20889,7 @@
         </p:nvSpPr>
         <p:spPr>
           <a:xfrm>
-            <a:off x="609600" y="2196624"/>
+            <a:off x="658068" y="1988400"/>
             <a:ext cx="1859280" cy="1752600"/>
           </a:xfrm>
           <a:prstGeom prst="noSmoking">
@@ -20925,56 +20925,11 @@
           <a:lstStyle/>
           <a:p>
             <a:pPr algn="ctr"/>
-            <a:endParaRPr lang="fr-FR">
+            <a:endParaRPr lang="fr-FR" dirty="0">
               <a:solidFill>
                 <a:schemeClr val="tx1"/>
               </a:solidFill>
             </a:endParaRPr>
-          </a:p>
-        </p:txBody>
-      </p:sp>
-      <p:sp>
-        <p:nvSpPr>
-          <p:cNvPr id="8" name="Sourire 7"/>
-          <p:cNvSpPr/>
-          <p:nvPr/>
-        </p:nvSpPr>
-        <p:spPr>
-          <a:xfrm>
-            <a:off x="9703030" y="2101374"/>
-            <a:ext cx="2042160" cy="1943100"/>
-          </a:xfrm>
-          <a:prstGeom prst="smileyFace">
-            <a:avLst/>
-          </a:prstGeom>
-          <a:ln>
-            <a:solidFill>
-              <a:schemeClr val="tx1"/>
-            </a:solidFill>
-          </a:ln>
-        </p:spPr>
-        <p:style>
-          <a:lnRef idx="2">
-            <a:schemeClr val="accent1">
-              <a:shade val="50000"/>
-            </a:schemeClr>
-          </a:lnRef>
-          <a:fillRef idx="1">
-            <a:schemeClr val="accent1"/>
-          </a:fillRef>
-          <a:effectRef idx="0">
-            <a:schemeClr val="accent1"/>
-          </a:effectRef>
-          <a:fontRef idx="minor">
-            <a:schemeClr val="lt1"/>
-          </a:fontRef>
-        </p:style>
-        <p:txBody>
-          <a:bodyPr rtlCol="0" anchor="ctr"/>
-          <a:lstStyle/>
-          <a:p>
-            <a:pPr algn="ctr"/>
-            <a:endParaRPr lang="fr-FR"/>
           </a:p>
         </p:txBody>
       </p:sp>
@@ -20994,7 +20949,7 @@
         </p:nvSpPr>
         <p:spPr>
           <a:xfrm>
-            <a:off x="220980" y="4044474"/>
+            <a:off x="269448" y="3836250"/>
             <a:ext cx="2636520" cy="897252"/>
           </a:xfrm>
           <a:prstGeom prst="rect">
@@ -21213,7 +21168,7 @@
         </p:nvSpPr>
         <p:spPr>
           <a:xfrm>
-            <a:off x="3268980" y="2811462"/>
+            <a:off x="3092569" y="2740872"/>
             <a:ext cx="4693794" cy="716280"/>
           </a:xfrm>
           <a:prstGeom prst="rect">
@@ -21401,39 +21356,22 @@
                 <a:ea typeface="Calibri Light" charset="0"/>
                 <a:cs typeface="Calibri Light" charset="0"/>
               </a:rPr>
-              <a:t>3D </a:t>
-            </a:r>
-            <a:r>
-              <a:rPr lang="en-US" b="1">
-                <a:solidFill>
-                  <a:schemeClr val="accent2"/>
-                </a:solidFill>
-                <a:latin typeface="Calibri Light" charset="0"/>
-                <a:ea typeface="Calibri Light" charset="0"/>
-                <a:cs typeface="Calibri Light" charset="0"/>
-              </a:rPr>
-              <a:t>scanning technologies</a:t>
-            </a:r>
-            <a:endParaRPr lang="en-US" b="1" dirty="0">
-              <a:solidFill>
-                <a:schemeClr val="accent2"/>
-              </a:solidFill>
-              <a:latin typeface="Calibri Light" charset="0"/>
-              <a:ea typeface="Calibri Light" charset="0"/>
-              <a:cs typeface="Calibri Light" charset="0"/>
-            </a:endParaRPr>
+              <a:t>3D scanning technologies</a:t>
+            </a:r>
           </a:p>
         </p:txBody>
       </p:sp>
       <p:cxnSp>
         <p:nvCxnSpPr>
           <p:cNvPr id="19" name="Connecteur droit avec flèche 18"/>
-          <p:cNvCxnSpPr/>
+          <p:cNvCxnSpPr>
+            <a:cxnSpLocks/>
+          </p:cNvCxnSpPr>
           <p:nvPr/>
         </p:nvCxnSpPr>
         <p:spPr>
           <a:xfrm flipH="1">
-            <a:off x="678180" y="4932360"/>
+            <a:off x="726648" y="4724136"/>
             <a:ext cx="861060" cy="477996"/>
           </a:xfrm>
           <a:prstGeom prst="straightConnector1">
@@ -21469,7 +21407,7 @@
         </p:nvSpPr>
         <p:spPr>
           <a:xfrm>
-            <a:off x="220980" y="5506446"/>
+            <a:off x="269448" y="5298222"/>
             <a:ext cx="929640" cy="646331"/>
           </a:xfrm>
           <a:prstGeom prst="rect">
@@ -21494,12 +21432,14 @@
       <p:cxnSp>
         <p:nvCxnSpPr>
           <p:cNvPr id="26" name="Connecteur droit avec flèche 25"/>
-          <p:cNvCxnSpPr/>
+          <p:cNvCxnSpPr>
+            <a:cxnSpLocks/>
+          </p:cNvCxnSpPr>
           <p:nvPr/>
         </p:nvCxnSpPr>
         <p:spPr>
           <a:xfrm>
-            <a:off x="1539240" y="4932516"/>
+            <a:off x="1587708" y="4724292"/>
             <a:ext cx="929640" cy="477840"/>
           </a:xfrm>
           <a:prstGeom prst="straightConnector1">
@@ -21535,7 +21475,7 @@
         </p:nvSpPr>
         <p:spPr>
           <a:xfrm>
-            <a:off x="1828800" y="5425752"/>
+            <a:off x="1877268" y="5217528"/>
             <a:ext cx="1440180" cy="923330"/>
           </a:xfrm>
           <a:prstGeom prst="rect">
@@ -21585,7 +21525,7 @@
         </p:nvSpPr>
         <p:spPr>
           <a:xfrm>
-            <a:off x="9405850" y="4307682"/>
+            <a:off x="9073673" y="4273185"/>
             <a:ext cx="2636520" cy="897252"/>
           </a:xfrm>
           <a:prstGeom prst="rect">
@@ -21773,27 +21713,8 @@
                 <a:ea typeface="Calibri Light" charset="0"/>
                 <a:cs typeface="Calibri Light" charset="0"/>
               </a:rPr>
-              <a:t>Automated method from </a:t>
-            </a:r>
-            <a:r>
-              <a:rPr lang="en-US">
-                <a:solidFill>
-                  <a:schemeClr val="tx2"/>
-                </a:solidFill>
-                <a:latin typeface="Calibri Light" charset="0"/>
-                <a:ea typeface="Calibri Light" charset="0"/>
-                <a:cs typeface="Calibri Light" charset="0"/>
-              </a:rPr>
-              <a:t>3D scanning </a:t>
-            </a:r>
-            <a:endParaRPr lang="en-US" dirty="0">
-              <a:solidFill>
-                <a:schemeClr val="tx2"/>
-              </a:solidFill>
-              <a:latin typeface="Calibri Light" charset="0"/>
-              <a:ea typeface="Calibri Light" charset="0"/>
-              <a:cs typeface="Calibri Light" charset="0"/>
-            </a:endParaRPr>
+              <a:t>Automated method from 3D scanning </a:t>
+            </a:r>
           </a:p>
           <a:p>
             <a:pPr marL="457200" lvl="1" indent="0">
@@ -21823,7 +21744,7 @@
         </p:nvSpPr>
         <p:spPr>
           <a:xfrm>
-            <a:off x="3268980" y="3432810"/>
+            <a:off x="2905968" y="3308406"/>
             <a:ext cx="4730572" cy="432594"/>
           </a:xfrm>
           <a:prstGeom prst="rect">
@@ -22013,6 +21934,42 @@
           </a:p>
         </p:txBody>
       </p:sp>
+      <p:pic>
+        <p:nvPicPr>
+          <p:cNvPr id="13" name="Picture 12">
+            <a:extLst>
+              <a:ext uri="{FF2B5EF4-FFF2-40B4-BE49-F238E27FC236}">
+                <a16:creationId xmlns:a16="http://schemas.microsoft.com/office/drawing/2014/main" id="{300699B8-7D90-4550-B2EA-FDC3A704E5C3}"/>
+              </a:ext>
+            </a:extLst>
+          </p:cNvPr>
+          <p:cNvPicPr>
+            <a:picLocks noChangeAspect="1"/>
+          </p:cNvPicPr>
+          <p:nvPr/>
+        </p:nvPicPr>
+        <p:blipFill>
+          <a:blip r:embed="rId2">
+            <a:extLst>
+              <a:ext uri="{28A0092B-C50C-407E-A947-70E740481C1C}">
+                <a14:useLocalDpi xmlns:a14="http://schemas.microsoft.com/office/drawing/2010/main" val="0"/>
+              </a:ext>
+            </a:extLst>
+          </a:blip>
+          <a:stretch>
+            <a:fillRect/>
+          </a:stretch>
+        </p:blipFill>
+        <p:spPr>
+          <a:xfrm>
+            <a:off x="8697453" y="1988400"/>
+            <a:ext cx="3225099" cy="1966912"/>
+          </a:xfrm>
+          <a:prstGeom prst="rect">
+            <a:avLst/>
+          </a:prstGeom>
+        </p:spPr>
+      </p:pic>
     </p:spTree>
     <p:extLst>
       <p:ext uri="{BB962C8B-B14F-4D97-AF65-F5344CB8AC3E}">
@@ -22763,12 +22720,20 @@
           <a:lstStyle/>
           <a:p>
             <a:r>
+              <a:rPr lang="fr-CH" dirty="0" err="1">
+                <a:solidFill>
+                  <a:schemeClr val="accent2"/>
+                </a:solidFill>
+              </a:rPr>
+              <a:t>Methodology</a:t>
+            </a:r>
+            <a:r>
               <a:rPr lang="fr-CH" dirty="0">
                 <a:solidFill>
                   <a:schemeClr val="accent2"/>
                 </a:solidFill>
               </a:rPr>
-              <a:t>Method : </a:t>
+              <a:t> : </a:t>
             </a:r>
             <a:r>
               <a:rPr lang="fr-CH" sz="3600" i="1" dirty="0" err="1">
@@ -22992,7 +22957,7 @@
               <a:r>
                 <a:rPr lang="fr-CH" sz="1800" kern="1200" dirty="0">
                   <a:solidFill>
-                    <a:schemeClr val="tx1"/>
+                    <a:schemeClr val="bg1"/>
                   </a:solidFill>
                 </a:rPr>
                 <a:t>STL to CSV</a:t>
@@ -23014,14 +22979,14 @@
               <a:r>
                 <a:rPr lang="fr-CH" dirty="0">
                   <a:solidFill>
-                    <a:schemeClr val="tx1"/>
+                    <a:schemeClr val="bg1"/>
                   </a:solidFill>
                 </a:rPr>
                 <a:t>Main directions</a:t>
               </a:r>
               <a:endParaRPr lang="fr-CH" sz="1800" kern="1200" dirty="0">
                 <a:solidFill>
-                  <a:schemeClr val="tx1"/>
+                  <a:schemeClr val="bg1"/>
                 </a:solidFill>
               </a:endParaRPr>
             </a:p>
@@ -24212,12 +24177,20 @@
           <a:lstStyle/>
           <a:p>
             <a:r>
+              <a:rPr lang="fr-CH" dirty="0" err="1">
+                <a:solidFill>
+                  <a:schemeClr val="accent2"/>
+                </a:solidFill>
+              </a:rPr>
+              <a:t>Methodology</a:t>
+            </a:r>
+            <a:r>
               <a:rPr lang="fr-CH" dirty="0">
                 <a:solidFill>
                   <a:schemeClr val="accent2"/>
                 </a:solidFill>
               </a:rPr>
-              <a:t>Method : </a:t>
+              <a:t> : </a:t>
             </a:r>
             <a:r>
               <a:rPr lang="fr-CH" sz="3600" i="1" dirty="0" err="1">
@@ -24394,12 +24367,20 @@
           <a:lstStyle/>
           <a:p>
             <a:r>
+              <a:rPr lang="fr-CH" dirty="0" err="1">
+                <a:solidFill>
+                  <a:schemeClr val="accent2"/>
+                </a:solidFill>
+              </a:rPr>
+              <a:t>Methodology</a:t>
+            </a:r>
+            <a:r>
               <a:rPr lang="fr-CH" dirty="0">
                 <a:solidFill>
                   <a:schemeClr val="accent2"/>
                 </a:solidFill>
               </a:rPr>
-              <a:t>Method : </a:t>
+              <a:t> : </a:t>
             </a:r>
             <a:r>
               <a:rPr lang="fr-CH" sz="3600" i="1" dirty="0" err="1">
